--- a/Week 8/BevsBakery.pptx
+++ b/Week 8/BevsBakery.pptx
@@ -13,6 +13,8 @@
     <p:sldId id="260" r:id="rId7"/>
     <p:sldId id="262" r:id="rId8"/>
     <p:sldId id="263" r:id="rId9"/>
+    <p:sldId id="264" r:id="rId10"/>
+    <p:sldId id="265" r:id="rId11"/>
   </p:sldIdLst>
   <p:sldSz cx="12192000" cy="6858000"/>
   <p:notesSz cx="6858000" cy="9144000"/>
@@ -514,10 +516,9 @@
           </a:lstStyle>
           <a:p>
             <a:r>
-              <a:rPr lang="en-US"/>
+              <a:rPr lang="en-US" dirty="0"/>
               <a:t>Click icon to add picture</a:t>
             </a:r>
-            <a:endParaRPr lang="en-US" dirty="0"/>
           </a:p>
         </p:txBody>
       </p:sp>
@@ -2366,10 +2367,9 @@
           </a:lstStyle>
           <a:p>
             <a:r>
-              <a:rPr lang="en-US"/>
+              <a:rPr lang="en-US" dirty="0"/>
               <a:t>Click icon to add picture</a:t>
             </a:r>
-            <a:endParaRPr lang="en-US" dirty="0"/>
           </a:p>
         </p:txBody>
       </p:sp>
@@ -2583,10 +2583,9 @@
           </a:lstStyle>
           <a:p>
             <a:r>
-              <a:rPr lang="en-US"/>
+              <a:rPr lang="en-US" dirty="0"/>
               <a:t>Click icon to add picture</a:t>
             </a:r>
-            <a:endParaRPr lang="en-US" dirty="0"/>
           </a:p>
         </p:txBody>
       </p:sp>
@@ -2800,10 +2799,9 @@
           </a:lstStyle>
           <a:p>
             <a:r>
-              <a:rPr lang="en-US"/>
+              <a:rPr lang="en-US" dirty="0"/>
               <a:t>Click icon to add picture</a:t>
             </a:r>
-            <a:endParaRPr lang="en-US" dirty="0"/>
           </a:p>
         </p:txBody>
       </p:sp>
@@ -5044,10 +5042,9 @@
           </a:lstStyle>
           <a:p>
             <a:r>
-              <a:rPr lang="en-US"/>
+              <a:rPr lang="en-US" dirty="0"/>
               <a:t>Click icon to add picture</a:t>
             </a:r>
-            <a:endParaRPr lang="en-US" dirty="0"/>
           </a:p>
         </p:txBody>
       </p:sp>
@@ -6174,6 +6171,133 @@
 </p:sld>
 </file>
 
+<file path=ppt/slides/slide10.xml><?xml version="1.0" encoding="utf-8"?>
+<p:sld xmlns:a="http://schemas.openxmlformats.org/drawingml/2006/main" xmlns:r="http://schemas.openxmlformats.org/officeDocument/2006/relationships" xmlns:p="http://schemas.openxmlformats.org/presentationml/2006/main">
+  <p:cSld>
+    <p:spTree>
+      <p:nvGrpSpPr>
+        <p:cNvPr id="1" name=""/>
+        <p:cNvGrpSpPr/>
+        <p:nvPr/>
+      </p:nvGrpSpPr>
+      <p:grpSpPr>
+        <a:xfrm>
+          <a:off x="0" y="0"/>
+          <a:ext cx="0" cy="0"/>
+          <a:chOff x="0" y="0"/>
+          <a:chExt cx="0" cy="0"/>
+        </a:xfrm>
+      </p:grpSpPr>
+      <p:sp>
+        <p:nvSpPr>
+          <p:cNvPr id="2" name="Title 1">
+            <a:extLst>
+              <a:ext uri="{FF2B5EF4-FFF2-40B4-BE49-F238E27FC236}">
+                <a16:creationId xmlns:a16="http://schemas.microsoft.com/office/drawing/2014/main" id="{12BEDB7E-795E-45C3-9352-1E54AC9E9A93}"/>
+              </a:ext>
+            </a:extLst>
+          </p:cNvPr>
+          <p:cNvSpPr>
+            <a:spLocks noGrp="1"/>
+          </p:cNvSpPr>
+          <p:nvPr>
+            <p:ph type="title"/>
+          </p:nvPr>
+        </p:nvSpPr>
+        <p:spPr/>
+        <p:txBody>
+          <a:bodyPr/>
+          <a:lstStyle/>
+          <a:p>
+            <a:r>
+              <a:rPr lang="en-US" dirty="0">
+                <a:latin typeface="Daytona" panose="020B0604030500040204" pitchFamily="34" charset="0"/>
+              </a:rPr>
+              <a:t>Responsive Design</a:t>
+            </a:r>
+            <a:endParaRPr lang="en-US" dirty="0"/>
+          </a:p>
+        </p:txBody>
+      </p:sp>
+      <p:sp>
+        <p:nvSpPr>
+          <p:cNvPr id="3" name="Content Placeholder 2">
+            <a:extLst>
+              <a:ext uri="{FF2B5EF4-FFF2-40B4-BE49-F238E27FC236}">
+                <a16:creationId xmlns:a16="http://schemas.microsoft.com/office/drawing/2014/main" id="{781F643B-F113-4546-9A78-617F5E149D0D}"/>
+              </a:ext>
+            </a:extLst>
+          </p:cNvPr>
+          <p:cNvSpPr>
+            <a:spLocks noGrp="1"/>
+          </p:cNvSpPr>
+          <p:nvPr>
+            <p:ph idx="1"/>
+          </p:nvPr>
+        </p:nvSpPr>
+        <p:spPr/>
+        <p:txBody>
+          <a:bodyPr/>
+          <a:lstStyle/>
+          <a:p>
+            <a:pPr marL="36900" indent="0" algn="ctr">
+              <a:buNone/>
+            </a:pPr>
+            <a:r>
+              <a:rPr lang="en-US" b="1" dirty="0">
+                <a:solidFill>
+                  <a:srgbClr val="14B6C5"/>
+                </a:solidFill>
+                <a:latin typeface="Daytona" panose="020B0604030500040204" pitchFamily="34" charset="0"/>
+              </a:rPr>
+              <a:t>Responsive Design principles are very important.  Most web users will see the website on their phone.  Therefore, it is important to create web content that flows smoothly from mobile display to larger display properties.</a:t>
+            </a:r>
+          </a:p>
+          <a:p>
+            <a:pPr>
+              <a:buFont typeface="Wingdings" panose="05000000000000000000" pitchFamily="2" charset="2"/>
+              <a:buChar char="v"/>
+            </a:pPr>
+            <a:endParaRPr lang="en-US" b="1" dirty="0">
+              <a:solidFill>
+                <a:srgbClr val="14B6C5"/>
+              </a:solidFill>
+              <a:latin typeface="Daytona" panose="020B0604030500040204" pitchFamily="34" charset="0"/>
+            </a:endParaRPr>
+          </a:p>
+          <a:p>
+            <a:pPr marL="36900" indent="0">
+              <a:buNone/>
+            </a:pPr>
+            <a:r>
+              <a:rPr lang="en-US" dirty="0"/>
+              <a:t>This customer has requested the website be built with WordPress for ease of daily maintenance.  WordPress already has responsive design built into its template. No further action is needed.</a:t>
+            </a:r>
+          </a:p>
+          <a:p>
+            <a:pPr marL="36900" indent="0">
+              <a:buNone/>
+            </a:pPr>
+            <a:r>
+              <a:rPr lang="en-US" dirty="0"/>
+              <a:t>If the customer has special page requests that will be compiled as a static page,  CSS properties will be implemented: flexbox and grid, along with responsive or resized images and the semantic HTML elements already mentioned.  </a:t>
+            </a:r>
+          </a:p>
+        </p:txBody>
+      </p:sp>
+    </p:spTree>
+    <p:extLst>
+      <p:ext uri="{BB962C8B-B14F-4D97-AF65-F5344CB8AC3E}">
+        <p14:creationId xmlns:p14="http://schemas.microsoft.com/office/powerpoint/2010/main" val="2801196769"/>
+      </p:ext>
+    </p:extLst>
+  </p:cSld>
+  <p:clrMapOvr>
+    <a:masterClrMapping/>
+  </p:clrMapOvr>
+</p:sld>
+</file>
+
 <file path=ppt/slides/slide2.xml><?xml version="1.0" encoding="utf-8"?>
 <p:sld xmlns:a="http://schemas.openxmlformats.org/drawingml/2006/main" xmlns:r="http://schemas.openxmlformats.org/officeDocument/2006/relationships" xmlns:p="http://schemas.openxmlformats.org/presentationml/2006/main">
   <p:cSld>
@@ -6267,19 +6391,7 @@
               <a:rPr lang="en-US" sz="1800" dirty="0">
                 <a:latin typeface="Daytona" panose="020B0604030500040204" pitchFamily="34" charset="0"/>
               </a:rPr>
-              <a:t>Available for purchase for $8.88/</a:t>
-            </a:r>
-            <a:r>
-              <a:rPr lang="en-US" sz="1800" dirty="0" err="1">
-                <a:latin typeface="Daytona" panose="020B0604030500040204" pitchFamily="34" charset="0"/>
-              </a:rPr>
-              <a:t>yr</a:t>
-            </a:r>
-            <a:r>
-              <a:rPr lang="en-US" sz="1800" dirty="0">
-                <a:latin typeface="Daytona" panose="020B0604030500040204" pitchFamily="34" charset="0"/>
-              </a:rPr>
-              <a:t> from namecheap.com.</a:t>
+              <a:t>Available for purchase for $8.88/yr from namecheap.com.</a:t>
             </a:r>
           </a:p>
           <a:p>
@@ -6575,7 +6687,18 @@
               <a:buChar char="v"/>
             </a:pPr>
             <a:r>
-              <a:rPr lang="en-US" dirty="0"/>
+              <a:rPr lang="en-US" dirty="0">
+                <a:solidFill>
+                  <a:srgbClr val="E3DED1"/>
+                </a:solidFill>
+                <a:effectLst>
+                  <a:outerShdw blurRad="38100" dist="38100" dir="2700000" algn="tl">
+                    <a:srgbClr val="000000">
+                      <a:alpha val="43137"/>
+                    </a:srgbClr>
+                  </a:outerShdw>
+                </a:effectLst>
+              </a:rPr>
               <a:t>I chose this palette for bright and vibrant colors and stark contrast between elements. </a:t>
             </a:r>
           </a:p>
@@ -6585,7 +6708,18 @@
               <a:buChar char="v"/>
             </a:pPr>
             <a:r>
-              <a:rPr lang="en-US" dirty="0"/>
+              <a:rPr lang="en-US" dirty="0">
+                <a:solidFill>
+                  <a:srgbClr val="E3DED1"/>
+                </a:solidFill>
+                <a:effectLst>
+                  <a:outerShdw blurRad="38100" dist="38100" dir="2700000" algn="tl">
+                    <a:srgbClr val="000000">
+                      <a:alpha val="43137"/>
+                    </a:srgbClr>
+                  </a:outerShdw>
+                </a:effectLst>
+              </a:rPr>
               <a:t>Blue is the most-preferred color and represents security and trust in a brand.  This shade was selected for whimsical vibrance.</a:t>
             </a:r>
           </a:p>
@@ -6595,7 +6729,18 @@
               <a:buChar char="v"/>
             </a:pPr>
             <a:r>
-              <a:rPr lang="en-US" dirty="0"/>
+              <a:rPr lang="en-US" dirty="0">
+                <a:solidFill>
+                  <a:srgbClr val="E3DED1"/>
+                </a:solidFill>
+                <a:effectLst>
+                  <a:outerShdw blurRad="38100" dist="38100" dir="2700000" algn="tl">
+                    <a:srgbClr val="000000">
+                      <a:alpha val="43137"/>
+                    </a:srgbClr>
+                  </a:outerShdw>
+                </a:effectLst>
+              </a:rPr>
               <a:t>Green is the second most-preferred color, easily processed by the eye, and represents tranquility and health.</a:t>
             </a:r>
           </a:p>
@@ -6605,7 +6750,18 @@
               <a:buChar char="v"/>
             </a:pPr>
             <a:r>
-              <a:rPr lang="en-US" dirty="0"/>
+              <a:rPr lang="en-US" dirty="0">
+                <a:solidFill>
+                  <a:srgbClr val="E3DED1"/>
+                </a:solidFill>
+                <a:effectLst>
+                  <a:outerShdw blurRad="38100" dist="38100" dir="2700000" algn="tl">
+                    <a:srgbClr val="000000">
+                      <a:alpha val="43137"/>
+                    </a:srgbClr>
+                  </a:outerShdw>
+                </a:effectLst>
+              </a:rPr>
               <a:t>Red shows passion and urgency and is often used to stimulate the hunger impulse to promote the purchase of food, in this case baked goods.</a:t>
             </a:r>
           </a:p>
@@ -7199,7 +7355,7 @@
               </a:lvl9pPr>
             </a:lstStyle>
             <a:p>
-              <a:endParaRPr lang="en-US">
+              <a:endParaRPr lang="en-US" dirty="0">
                 <a:solidFill>
                   <a:srgbClr val="5F5F5F"/>
                 </a:solidFill>
@@ -7399,7 +7555,7 @@
               </a:lvl9pPr>
             </a:lstStyle>
             <a:p>
-              <a:endParaRPr lang="en-US">
+              <a:endParaRPr lang="en-US" dirty="0">
                 <a:solidFill>
                   <a:srgbClr val="5F5F5F"/>
                 </a:solidFill>
@@ -7805,7 +7961,7 @@
               </a:lvl9pPr>
             </a:lstStyle>
             <a:p>
-              <a:endParaRPr lang="en-US">
+              <a:endParaRPr lang="en-US" dirty="0">
                 <a:solidFill>
                   <a:srgbClr val="5F5F5F"/>
                 </a:solidFill>
@@ -8033,7 +8189,7 @@
                 </a:lvl9pPr>
               </a:lstStyle>
               <a:p>
-                <a:endParaRPr lang="en-US">
+                <a:endParaRPr lang="en-US" dirty="0">
                   <a:solidFill>
                     <a:srgbClr val="5F5F5F"/>
                   </a:solidFill>
@@ -8241,7 +8397,7 @@
                 </a:lvl9pPr>
               </a:lstStyle>
               <a:p>
-                <a:endParaRPr lang="en-US">
+                <a:endParaRPr lang="en-US" dirty="0">
                   <a:solidFill>
                     <a:srgbClr val="5F5F5F"/>
                   </a:solidFill>
@@ -8481,7 +8637,7 @@
                 </a:lvl9pPr>
               </a:lstStyle>
               <a:p>
-                <a:endParaRPr lang="en-US">
+                <a:endParaRPr lang="en-US" dirty="0">
                   <a:solidFill>
                     <a:srgbClr val="5F5F5F"/>
                   </a:solidFill>
@@ -9489,7 +9645,7 @@
               </a:lvl9pPr>
             </a:lstStyle>
             <a:p>
-              <a:endParaRPr lang="en-US">
+              <a:endParaRPr lang="en-US" dirty="0">
                 <a:solidFill>
                   <a:srgbClr val="5F5F5F"/>
                 </a:solidFill>
@@ -9689,7 +9845,7 @@
               </a:lvl9pPr>
             </a:lstStyle>
             <a:p>
-              <a:endParaRPr lang="en-US">
+              <a:endParaRPr lang="en-US" dirty="0">
                 <a:solidFill>
                   <a:srgbClr val="5F5F5F"/>
                 </a:solidFill>
@@ -9859,7 +10015,7 @@
                   <a:latin typeface="Segoe UI" panose="020B0502040204020203" pitchFamily="34" charset="0"/>
                   <a:cs typeface="Segoe UI" panose="020B0502040204020203" pitchFamily="34" charset="0"/>
                 </a:rPr>
-                <a:t>https://www.bevsbakery.com</a:t>
+                <a:t>https://www.bevsbakery.com/#treats</a:t>
               </a:r>
             </a:p>
           </p:txBody>
@@ -10095,7 +10251,7 @@
               </a:lvl9pPr>
             </a:lstStyle>
             <a:p>
-              <a:endParaRPr lang="en-US">
+              <a:endParaRPr lang="en-US" dirty="0">
                 <a:solidFill>
                   <a:srgbClr val="5F5F5F"/>
                 </a:solidFill>
@@ -10323,7 +10479,7 @@
                 </a:lvl9pPr>
               </a:lstStyle>
               <a:p>
-                <a:endParaRPr lang="en-US">
+                <a:endParaRPr lang="en-US" dirty="0">
                   <a:solidFill>
                     <a:srgbClr val="5F5F5F"/>
                   </a:solidFill>
@@ -10531,7 +10687,7 @@
                 </a:lvl9pPr>
               </a:lstStyle>
               <a:p>
-                <a:endParaRPr lang="en-US">
+                <a:endParaRPr lang="en-US" dirty="0">
                   <a:solidFill>
                     <a:srgbClr val="5F5F5F"/>
                   </a:solidFill>
@@ -10771,7 +10927,7 @@
                 </a:lvl9pPr>
               </a:lstStyle>
               <a:p>
-                <a:endParaRPr lang="en-US">
+                <a:endParaRPr lang="en-US" dirty="0">
                   <a:solidFill>
                     <a:srgbClr val="5F5F5F"/>
                   </a:solidFill>
@@ -11881,7 +12037,7 @@
               </a:lvl9pPr>
             </a:lstStyle>
             <a:p>
-              <a:endParaRPr lang="en-US">
+              <a:endParaRPr lang="en-US" dirty="0">
                 <a:solidFill>
                   <a:srgbClr val="5F5F5F"/>
                 </a:solidFill>
@@ -12081,7 +12237,7 @@
               </a:lvl9pPr>
             </a:lstStyle>
             <a:p>
-              <a:endParaRPr lang="en-US">
+              <a:endParaRPr lang="en-US" dirty="0">
                 <a:solidFill>
                   <a:srgbClr val="5F5F5F"/>
                 </a:solidFill>
@@ -12251,7 +12407,7 @@
                   <a:latin typeface="Segoe UI" panose="020B0502040204020203" pitchFamily="34" charset="0"/>
                   <a:cs typeface="Segoe UI" panose="020B0502040204020203" pitchFamily="34" charset="0"/>
                 </a:rPr>
-                <a:t>https://www.bevsbakery.com</a:t>
+                <a:t>https://www.bevsbakery.com/#specialOrder</a:t>
               </a:r>
             </a:p>
           </p:txBody>
@@ -12487,7 +12643,7 @@
               </a:lvl9pPr>
             </a:lstStyle>
             <a:p>
-              <a:endParaRPr lang="en-US">
+              <a:endParaRPr lang="en-US" dirty="0">
                 <a:solidFill>
                   <a:srgbClr val="5F5F5F"/>
                 </a:solidFill>
@@ -12715,7 +12871,7 @@
                 </a:lvl9pPr>
               </a:lstStyle>
               <a:p>
-                <a:endParaRPr lang="en-US">
+                <a:endParaRPr lang="en-US" dirty="0">
                   <a:solidFill>
                     <a:srgbClr val="5F5F5F"/>
                   </a:solidFill>
@@ -12923,7 +13079,7 @@
                 </a:lvl9pPr>
               </a:lstStyle>
               <a:p>
-                <a:endParaRPr lang="en-US">
+                <a:endParaRPr lang="en-US" dirty="0">
                   <a:solidFill>
                     <a:srgbClr val="5F5F5F"/>
                   </a:solidFill>
@@ -13163,7 +13319,7 @@
                 </a:lvl9pPr>
               </a:lstStyle>
               <a:p>
-                <a:endParaRPr lang="en-US">
+                <a:endParaRPr lang="en-US" dirty="0">
                   <a:solidFill>
                     <a:srgbClr val="5F5F5F"/>
                   </a:solidFill>
@@ -13797,18 +13953,30 @@
           <a:bodyPr/>
           <a:lstStyle/>
           <a:p>
+            <a:pPr>
+              <a:buFont typeface="Wingdings" panose="05000000000000000000" pitchFamily="2" charset="2"/>
+              <a:buChar char="v"/>
+            </a:pPr>
             <a:r>
               <a:rPr lang="en-US" dirty="0"/>
               <a:t>Each slide represents an anchored section on the home page. They are represented this way to show content.</a:t>
             </a:r>
           </a:p>
           <a:p>
+            <a:pPr>
+              <a:buFont typeface="Wingdings" panose="05000000000000000000" pitchFamily="2" charset="2"/>
+              <a:buChar char="v"/>
+            </a:pPr>
             <a:r>
               <a:rPr lang="en-US" dirty="0"/>
               <a:t>The navbar at the top is “sticky” and will still show as the user scrolls through the page.</a:t>
             </a:r>
           </a:p>
           <a:p>
+            <a:pPr>
+              <a:buFont typeface="Wingdings" panose="05000000000000000000" pitchFamily="2" charset="2"/>
+              <a:buChar char="v"/>
+            </a:pPr>
             <a:r>
               <a:rPr lang="en-US" dirty="0"/>
               <a:t>Sample images shown to represent actual content.</a:t>
@@ -14249,7 +14417,7 @@
               </a:lvl9pPr>
             </a:lstStyle>
             <a:p>
-              <a:endParaRPr lang="en-US">
+              <a:endParaRPr lang="en-US" dirty="0">
                 <a:solidFill>
                   <a:srgbClr val="5F5F5F"/>
                 </a:solidFill>
@@ -14449,7 +14617,7 @@
               </a:lvl9pPr>
             </a:lstStyle>
             <a:p>
-              <a:endParaRPr lang="en-US">
+              <a:endParaRPr lang="en-US" dirty="0">
                 <a:solidFill>
                   <a:srgbClr val="5F5F5F"/>
                 </a:solidFill>
@@ -14619,7 +14787,7 @@
                   <a:latin typeface="Segoe UI" panose="020B0502040204020203" pitchFamily="34" charset="0"/>
                   <a:cs typeface="Segoe UI" panose="020B0502040204020203" pitchFamily="34" charset="0"/>
                 </a:rPr>
-                <a:t>https://www.bevsbakery.com</a:t>
+                <a:t>https://www.bevsbakery.com/aboutUs.html</a:t>
               </a:r>
             </a:p>
           </p:txBody>
@@ -14855,7 +15023,7 @@
               </a:lvl9pPr>
             </a:lstStyle>
             <a:p>
-              <a:endParaRPr lang="en-US">
+              <a:endParaRPr lang="en-US" dirty="0">
                 <a:solidFill>
                   <a:srgbClr val="5F5F5F"/>
                 </a:solidFill>
@@ -15083,7 +15251,7 @@
                 </a:lvl9pPr>
               </a:lstStyle>
               <a:p>
-                <a:endParaRPr lang="en-US">
+                <a:endParaRPr lang="en-US" dirty="0">
                   <a:solidFill>
                     <a:srgbClr val="5F5F5F"/>
                   </a:solidFill>
@@ -15291,7 +15459,7 @@
                 </a:lvl9pPr>
               </a:lstStyle>
               <a:p>
-                <a:endParaRPr lang="en-US">
+                <a:endParaRPr lang="en-US" dirty="0">
                   <a:solidFill>
                     <a:srgbClr val="5F5F5F"/>
                   </a:solidFill>
@@ -15531,7 +15699,7 @@
                 </a:lvl9pPr>
               </a:lstStyle>
               <a:p>
-                <a:endParaRPr lang="en-US">
+                <a:endParaRPr lang="en-US" dirty="0">
                   <a:solidFill>
                     <a:srgbClr val="5F5F5F"/>
                   </a:solidFill>
@@ -16095,6 +16263,171 @@
     <p:extLst>
       <p:ext uri="{BB962C8B-B14F-4D97-AF65-F5344CB8AC3E}">
         <p14:creationId xmlns:p14="http://schemas.microsoft.com/office/powerpoint/2010/main" val="2130516359"/>
+      </p:ext>
+    </p:extLst>
+  </p:cSld>
+  <p:clrMapOvr>
+    <a:masterClrMapping/>
+  </p:clrMapOvr>
+</p:sld>
+</file>
+
+<file path=ppt/slides/slide9.xml><?xml version="1.0" encoding="utf-8"?>
+<p:sld xmlns:a="http://schemas.openxmlformats.org/drawingml/2006/main" xmlns:r="http://schemas.openxmlformats.org/officeDocument/2006/relationships" xmlns:p="http://schemas.openxmlformats.org/presentationml/2006/main">
+  <p:cSld>
+    <p:spTree>
+      <p:nvGrpSpPr>
+        <p:cNvPr id="1" name=""/>
+        <p:cNvGrpSpPr/>
+        <p:nvPr/>
+      </p:nvGrpSpPr>
+      <p:grpSpPr>
+        <a:xfrm>
+          <a:off x="0" y="0"/>
+          <a:ext cx="0" cy="0"/>
+          <a:chOff x="0" y="0"/>
+          <a:chExt cx="0" cy="0"/>
+        </a:xfrm>
+      </p:grpSpPr>
+      <p:sp>
+        <p:nvSpPr>
+          <p:cNvPr id="2" name="Title 1">
+            <a:extLst>
+              <a:ext uri="{FF2B5EF4-FFF2-40B4-BE49-F238E27FC236}">
+                <a16:creationId xmlns:a16="http://schemas.microsoft.com/office/drawing/2014/main" id="{12BEDB7E-795E-45C3-9352-1E54AC9E9A93}"/>
+              </a:ext>
+            </a:extLst>
+          </p:cNvPr>
+          <p:cNvSpPr>
+            <a:spLocks noGrp="1"/>
+          </p:cNvSpPr>
+          <p:nvPr>
+            <p:ph type="title"/>
+          </p:nvPr>
+        </p:nvSpPr>
+        <p:spPr/>
+        <p:txBody>
+          <a:bodyPr/>
+          <a:lstStyle/>
+          <a:p>
+            <a:r>
+              <a:rPr lang="en-US" dirty="0">
+                <a:latin typeface="Daytona" panose="020B0604030500040204" pitchFamily="34" charset="0"/>
+              </a:rPr>
+              <a:t>Website Accessibility</a:t>
+            </a:r>
+            <a:endParaRPr lang="en-US" dirty="0"/>
+          </a:p>
+        </p:txBody>
+      </p:sp>
+      <p:sp>
+        <p:nvSpPr>
+          <p:cNvPr id="3" name="Content Placeholder 2">
+            <a:extLst>
+              <a:ext uri="{FF2B5EF4-FFF2-40B4-BE49-F238E27FC236}">
+                <a16:creationId xmlns:a16="http://schemas.microsoft.com/office/drawing/2014/main" id="{781F643B-F113-4546-9A78-617F5E149D0D}"/>
+              </a:ext>
+            </a:extLst>
+          </p:cNvPr>
+          <p:cNvSpPr>
+            <a:spLocks noGrp="1"/>
+          </p:cNvSpPr>
+          <p:nvPr>
+            <p:ph idx="1"/>
+          </p:nvPr>
+        </p:nvSpPr>
+        <p:spPr/>
+        <p:txBody>
+          <a:bodyPr/>
+          <a:lstStyle/>
+          <a:p>
+            <a:pPr marL="36900" indent="0" algn="ctr">
+              <a:buNone/>
+            </a:pPr>
+            <a:r>
+              <a:rPr lang="en-US" b="1" dirty="0">
+                <a:solidFill>
+                  <a:srgbClr val="14B6C5"/>
+                </a:solidFill>
+                <a:latin typeface="Daytona" panose="020B0604030500040204" pitchFamily="34" charset="0"/>
+              </a:rPr>
+              <a:t>Accessibility is required by law and helps people with disabilities. In this website, we will ensure accessible compliance:</a:t>
+            </a:r>
+          </a:p>
+          <a:p>
+            <a:pPr>
+              <a:buFont typeface="Wingdings" panose="05000000000000000000" pitchFamily="2" charset="2"/>
+              <a:buChar char="v"/>
+            </a:pPr>
+            <a:endParaRPr lang="en-US" b="1" dirty="0">
+              <a:solidFill>
+                <a:srgbClr val="14B6C5"/>
+              </a:solidFill>
+              <a:latin typeface="Daytona" panose="020B0604030500040204" pitchFamily="34" charset="0"/>
+            </a:endParaRPr>
+          </a:p>
+          <a:p>
+            <a:pPr>
+              <a:buFont typeface="Wingdings" panose="05000000000000000000" pitchFamily="2" charset="2"/>
+              <a:buChar char="v"/>
+            </a:pPr>
+            <a:r>
+              <a:rPr lang="en-US" dirty="0"/>
+              <a:t>Semantic HTML elements, ensuring keyboard navigation through sections on the page.</a:t>
+            </a:r>
+          </a:p>
+          <a:p>
+            <a:pPr>
+              <a:buFont typeface="Wingdings" panose="05000000000000000000" pitchFamily="2" charset="2"/>
+              <a:buChar char="v"/>
+            </a:pPr>
+            <a:r>
+              <a:rPr lang="en-US" dirty="0"/>
+              <a:t>Alt-text for all images used throughout the website.</a:t>
+            </a:r>
+          </a:p>
+          <a:p>
+            <a:pPr>
+              <a:buFont typeface="Wingdings" panose="05000000000000000000" pitchFamily="2" charset="2"/>
+              <a:buChar char="v"/>
+            </a:pPr>
+            <a:r>
+              <a:rPr lang="en-US" dirty="0"/>
+              <a:t>Color contrast set at acceptable ratio levels.</a:t>
+            </a:r>
+          </a:p>
+          <a:p>
+            <a:pPr>
+              <a:buFont typeface="Wingdings" panose="05000000000000000000" pitchFamily="2" charset="2"/>
+              <a:buChar char="v"/>
+            </a:pPr>
+            <a:r>
+              <a:rPr lang="en-US" dirty="0"/>
+              <a:t>Easily read sans-serif font families that can be enlarged without disrupting web design.</a:t>
+            </a:r>
+          </a:p>
+          <a:p>
+            <a:pPr>
+              <a:buFont typeface="Wingdings" panose="05000000000000000000" pitchFamily="2" charset="2"/>
+              <a:buChar char="v"/>
+            </a:pPr>
+            <a:r>
+              <a:rPr lang="en-US" dirty="0"/>
+              <a:t>Descriptive link text on hover.</a:t>
+            </a:r>
+          </a:p>
+          <a:p>
+            <a:pPr marL="36900" indent="0">
+              <a:buNone/>
+            </a:pPr>
+            <a:endParaRPr lang="en-US" dirty="0"/>
+          </a:p>
+        </p:txBody>
+      </p:sp>
+    </p:spTree>
+    <p:extLst>
+      <p:ext uri="{BB962C8B-B14F-4D97-AF65-F5344CB8AC3E}">
+        <p14:creationId xmlns:p14="http://schemas.microsoft.com/office/powerpoint/2010/main" val="3319443162"/>
       </p:ext>
     </p:extLst>
   </p:cSld>
